--- a/ppt.pptx
+++ b/ppt.pptx
@@ -274,7 +274,7 @@
           <a:p>
             <a:fld id="{F458F40E-DE9B-4055-934B-90A1C17AC0B1}" type="datetimeFigureOut">
               <a:rPr lang="ko-KR" altLang="en-US" smtClean="0"/>
-              <a:t>2021-05-16</a:t>
+              <a:t>2021-05-20</a:t>
             </a:fld>
             <a:endParaRPr lang="ko-KR" altLang="en-US"/>
           </a:p>
@@ -444,7 +444,7 @@
           <a:p>
             <a:fld id="{F458F40E-DE9B-4055-934B-90A1C17AC0B1}" type="datetimeFigureOut">
               <a:rPr lang="ko-KR" altLang="en-US" smtClean="0"/>
-              <a:t>2021-05-16</a:t>
+              <a:t>2021-05-20</a:t>
             </a:fld>
             <a:endParaRPr lang="ko-KR" altLang="en-US"/>
           </a:p>
@@ -624,7 +624,7 @@
           <a:p>
             <a:fld id="{F458F40E-DE9B-4055-934B-90A1C17AC0B1}" type="datetimeFigureOut">
               <a:rPr lang="ko-KR" altLang="en-US" smtClean="0"/>
-              <a:t>2021-05-16</a:t>
+              <a:t>2021-05-20</a:t>
             </a:fld>
             <a:endParaRPr lang="ko-KR" altLang="en-US"/>
           </a:p>
@@ -794,7 +794,7 @@
           <a:p>
             <a:fld id="{F458F40E-DE9B-4055-934B-90A1C17AC0B1}" type="datetimeFigureOut">
               <a:rPr lang="ko-KR" altLang="en-US" smtClean="0"/>
-              <a:t>2021-05-16</a:t>
+              <a:t>2021-05-20</a:t>
             </a:fld>
             <a:endParaRPr lang="ko-KR" altLang="en-US"/>
           </a:p>
@@ -1040,7 +1040,7 @@
           <a:p>
             <a:fld id="{F458F40E-DE9B-4055-934B-90A1C17AC0B1}" type="datetimeFigureOut">
               <a:rPr lang="ko-KR" altLang="en-US" smtClean="0"/>
-              <a:t>2021-05-16</a:t>
+              <a:t>2021-05-20</a:t>
             </a:fld>
             <a:endParaRPr lang="ko-KR" altLang="en-US"/>
           </a:p>
@@ -1272,7 +1272,7 @@
           <a:p>
             <a:fld id="{F458F40E-DE9B-4055-934B-90A1C17AC0B1}" type="datetimeFigureOut">
               <a:rPr lang="ko-KR" altLang="en-US" smtClean="0"/>
-              <a:t>2021-05-16</a:t>
+              <a:t>2021-05-20</a:t>
             </a:fld>
             <a:endParaRPr lang="ko-KR" altLang="en-US"/>
           </a:p>
@@ -1639,7 +1639,7 @@
           <a:p>
             <a:fld id="{F458F40E-DE9B-4055-934B-90A1C17AC0B1}" type="datetimeFigureOut">
               <a:rPr lang="ko-KR" altLang="en-US" smtClean="0"/>
-              <a:t>2021-05-16</a:t>
+              <a:t>2021-05-20</a:t>
             </a:fld>
             <a:endParaRPr lang="ko-KR" altLang="en-US"/>
           </a:p>
@@ -1757,7 +1757,7 @@
           <a:p>
             <a:fld id="{F458F40E-DE9B-4055-934B-90A1C17AC0B1}" type="datetimeFigureOut">
               <a:rPr lang="ko-KR" altLang="en-US" smtClean="0"/>
-              <a:t>2021-05-16</a:t>
+              <a:t>2021-05-20</a:t>
             </a:fld>
             <a:endParaRPr lang="ko-KR" altLang="en-US"/>
           </a:p>
@@ -1852,7 +1852,7 @@
           <a:p>
             <a:fld id="{F458F40E-DE9B-4055-934B-90A1C17AC0B1}" type="datetimeFigureOut">
               <a:rPr lang="ko-KR" altLang="en-US" smtClean="0"/>
-              <a:t>2021-05-16</a:t>
+              <a:t>2021-05-20</a:t>
             </a:fld>
             <a:endParaRPr lang="ko-KR" altLang="en-US"/>
           </a:p>
@@ -2129,7 +2129,7 @@
           <a:p>
             <a:fld id="{F458F40E-DE9B-4055-934B-90A1C17AC0B1}" type="datetimeFigureOut">
               <a:rPr lang="ko-KR" altLang="en-US" smtClean="0"/>
-              <a:t>2021-05-16</a:t>
+              <a:t>2021-05-20</a:t>
             </a:fld>
             <a:endParaRPr lang="ko-KR" altLang="en-US"/>
           </a:p>
@@ -2382,7 +2382,7 @@
           <a:p>
             <a:fld id="{F458F40E-DE9B-4055-934B-90A1C17AC0B1}" type="datetimeFigureOut">
               <a:rPr lang="ko-KR" altLang="en-US" smtClean="0"/>
-              <a:t>2021-05-16</a:t>
+              <a:t>2021-05-20</a:t>
             </a:fld>
             <a:endParaRPr lang="ko-KR" altLang="en-US"/>
           </a:p>
@@ -2595,7 +2595,7 @@
           <a:p>
             <a:fld id="{F458F40E-DE9B-4055-934B-90A1C17AC0B1}" type="datetimeFigureOut">
               <a:rPr lang="ko-KR" altLang="en-US" smtClean="0"/>
-              <a:t>2021-05-16</a:t>
+              <a:t>2021-05-20</a:t>
             </a:fld>
             <a:endParaRPr lang="ko-KR" altLang="en-US"/>
           </a:p>
@@ -3087,83 +3087,66 @@
               <a:rPr lang="en-US" altLang="ko-KR" dirty="0" smtClean="0"/>
               <a:t>. </a:t>
             </a:r>
+            <a:endParaRPr lang="en-US" altLang="ko-KR" dirty="0" smtClean="0"/>
           </a:p>
           <a:p>
             <a:pPr lvl="1"/>
             <a:r>
-              <a:rPr lang="en-US" altLang="ko-KR" dirty="0" smtClean="0"/>
+              <a:rPr lang="en-US" altLang="ko-KR" dirty="0"/>
               <a:t>A: </a:t>
             </a:r>
             <a:r>
-              <a:rPr lang="ko-KR" altLang="en-US" dirty="0" smtClean="0"/>
+              <a:rPr lang="ko-KR" altLang="en-US" dirty="0"/>
               <a:t>공부머리 없는 애들이 가는 곳 아니야</a:t>
             </a:r>
             <a:r>
-              <a:rPr lang="en-US" altLang="ko-KR" dirty="0" smtClean="0"/>
+              <a:rPr lang="en-US" altLang="ko-KR" dirty="0"/>
               <a:t>? </a:t>
             </a:r>
           </a:p>
           <a:p>
             <a:pPr lvl="1"/>
             <a:r>
-              <a:rPr lang="en-US" altLang="ko-KR" dirty="0" smtClean="0"/>
+              <a:rPr lang="en-US" altLang="ko-KR" dirty="0"/>
               <a:t>B: </a:t>
             </a:r>
             <a:r>
-              <a:rPr lang="ko-KR" altLang="en-US" dirty="0" smtClean="0"/>
+              <a:rPr lang="ko-KR" altLang="en-US" dirty="0"/>
               <a:t>양아치 </a:t>
             </a:r>
             <a:r>
-              <a:rPr lang="ko-KR" altLang="en-US" dirty="0" err="1" smtClean="0"/>
+              <a:rPr lang="ko-KR" altLang="en-US" dirty="0" err="1"/>
               <a:t>집합소</a:t>
             </a:r>
             <a:r>
-              <a:rPr lang="ko-KR" altLang="en-US" dirty="0" smtClean="0"/>
+              <a:rPr lang="ko-KR" altLang="en-US" dirty="0"/>
               <a:t> </a:t>
             </a:r>
             <a:r>
-              <a:rPr lang="en-US" altLang="ko-KR" dirty="0" smtClean="0"/>
+              <a:rPr lang="en-US" altLang="ko-KR" dirty="0"/>
               <a:t>(</a:t>
             </a:r>
             <a:r>
-              <a:rPr lang="ko-KR" altLang="en-US" dirty="0" smtClean="0"/>
+              <a:rPr lang="ko-KR" altLang="en-US" dirty="0"/>
               <a:t>부정적으로</a:t>
             </a:r>
             <a:r>
               <a:rPr lang="en-US" altLang="ko-KR" dirty="0" smtClean="0"/>
               <a:t>)</a:t>
             </a:r>
-          </a:p>
-          <a:p>
-            <a:pPr lvl="1"/>
-            <a:r>
-              <a:rPr lang="en-US" altLang="ko-KR" dirty="0" smtClean="0"/>
-              <a:t>C: </a:t>
-            </a:r>
-            <a:r>
-              <a:rPr lang="ko-KR" altLang="en-US" dirty="0" smtClean="0"/>
-              <a:t>선생님들 대학은 나오셨니</a:t>
-            </a:r>
-            <a:r>
-              <a:rPr lang="en-US" altLang="ko-KR" dirty="0" smtClean="0"/>
-              <a:t>? (…)</a:t>
-            </a:r>
-          </a:p>
-          <a:p>
-            <a:r>
-              <a:rPr lang="en-US" altLang="ko-KR" dirty="0" smtClean="0"/>
+            <a:endParaRPr lang="en-US" altLang="ko-KR" dirty="0" smtClean="0"/>
+          </a:p>
+          <a:p>
+            <a:r>
+              <a:rPr lang="en-US" altLang="ko-KR" dirty="0"/>
               <a:t>“</a:t>
             </a:r>
             <a:r>
-              <a:rPr lang="ko-KR" altLang="en-US" dirty="0" smtClean="0"/>
-              <a:t>어떤 요소들이 특성화 고등학교에 대해 이러한 인식을 </a:t>
-            </a:r>
-            <a:r>
-              <a:rPr lang="ko-KR" altLang="en-US" dirty="0" smtClean="0"/>
-              <a:t>만들었으며 어떻게 해결해야 하나</a:t>
-            </a:r>
-            <a:r>
-              <a:rPr lang="en-US" altLang="ko-KR" dirty="0" smtClean="0"/>
+              <a:rPr lang="ko-KR" altLang="en-US" dirty="0"/>
+              <a:t>어떤 요소들이 특성화 고등학교에 대해 이러한 인식을 만들었으며 어떻게 해결해야 하나</a:t>
+            </a:r>
+            <a:r>
+              <a:rPr lang="en-US" altLang="ko-KR" dirty="0"/>
               <a:t>?” </a:t>
             </a:r>
             <a:endParaRPr lang="en-US" altLang="ko-KR" dirty="0" smtClean="0"/>
@@ -3247,11 +3230,7 @@
           <a:p>
             <a:r>
               <a:rPr lang="ko-KR" altLang="en-US" dirty="0" smtClean="0"/>
-              <a:t>산업수요와 특성화고의 </a:t>
-            </a:r>
-            <a:r>
-              <a:rPr lang="ko-KR" altLang="en-US" dirty="0" smtClean="0"/>
-              <a:t>관계</a:t>
+              <a:t>산업수요와 특성화고의 관계</a:t>
             </a:r>
             <a:r>
               <a:rPr lang="en-US" altLang="ko-KR" dirty="0" smtClean="0"/>
@@ -4071,7 +4050,6 @@
               <a:rPr lang="en-US" altLang="ko-KR" sz="1050" dirty="0" smtClean="0"/>
               <a:t>. </a:t>
             </a:r>
-            <a:endParaRPr lang="en-US" altLang="ko-KR" sz="1050" dirty="0" smtClean="0"/>
           </a:p>
         </p:txBody>
       </p:sp>
